--- a/Searching Algorithm.pptx
+++ b/Searching Algorithm.pptx
@@ -10,14 +10,13 @@
     <p:sldId id="258" r:id="rId4"/>
     <p:sldId id="259" r:id="rId5"/>
     <p:sldId id="268" r:id="rId6"/>
-    <p:sldId id="260" r:id="rId7"/>
-    <p:sldId id="261" r:id="rId8"/>
-    <p:sldId id="262" r:id="rId9"/>
-    <p:sldId id="263" r:id="rId10"/>
-    <p:sldId id="265" r:id="rId11"/>
-    <p:sldId id="266" r:id="rId12"/>
-    <p:sldId id="269" r:id="rId13"/>
-    <p:sldId id="270" r:id="rId14"/>
+    <p:sldId id="261" r:id="rId7"/>
+    <p:sldId id="262" r:id="rId8"/>
+    <p:sldId id="263" r:id="rId9"/>
+    <p:sldId id="265" r:id="rId10"/>
+    <p:sldId id="266" r:id="rId11"/>
+    <p:sldId id="269" r:id="rId12"/>
+    <p:sldId id="270" r:id="rId13"/>
   </p:sldIdLst>
   <p:sldSz cx="12192000" cy="6858000"/>
   <p:notesSz cx="6858000" cy="9144000"/>
@@ -292,7 +291,7 @@
           <a:p>
             <a:fld id="{4A91F4B0-090F-40E0-800B-72A81C3BBA0B}" type="datetimeFigureOut">
               <a:rPr lang="en-IN" smtClean="0"/>
-              <a:t>14-10-2024</a:t>
+              <a:t>15-10-2024</a:t>
             </a:fld>
             <a:endParaRPr lang="en-IN"/>
           </a:p>
@@ -520,7 +519,7 @@
           <a:p>
             <a:fld id="{4A91F4B0-090F-40E0-800B-72A81C3BBA0B}" type="datetimeFigureOut">
               <a:rPr lang="en-IN" smtClean="0"/>
-              <a:t>14-10-2024</a:t>
+              <a:t>15-10-2024</a:t>
             </a:fld>
             <a:endParaRPr lang="en-IN"/>
           </a:p>
@@ -700,7 +699,7 @@
           <a:p>
             <a:fld id="{4A91F4B0-090F-40E0-800B-72A81C3BBA0B}" type="datetimeFigureOut">
               <a:rPr lang="en-IN" smtClean="0"/>
-              <a:t>14-10-2024</a:t>
+              <a:t>15-10-2024</a:t>
             </a:fld>
             <a:endParaRPr lang="en-IN"/>
           </a:p>
@@ -870,7 +869,7 @@
           <a:p>
             <a:fld id="{4A91F4B0-090F-40E0-800B-72A81C3BBA0B}" type="datetimeFigureOut">
               <a:rPr lang="en-IN" smtClean="0"/>
-              <a:t>14-10-2024</a:t>
+              <a:t>15-10-2024</a:t>
             </a:fld>
             <a:endParaRPr lang="en-IN"/>
           </a:p>
@@ -1124,7 +1123,7 @@
           <a:p>
             <a:fld id="{4A91F4B0-090F-40E0-800B-72A81C3BBA0B}" type="datetimeFigureOut">
               <a:rPr lang="en-IN" smtClean="0"/>
-              <a:t>14-10-2024</a:t>
+              <a:t>15-10-2024</a:t>
             </a:fld>
             <a:endParaRPr lang="en-IN"/>
           </a:p>
@@ -1450,7 +1449,7 @@
           <a:p>
             <a:fld id="{4A91F4B0-090F-40E0-800B-72A81C3BBA0B}" type="datetimeFigureOut">
               <a:rPr lang="en-IN" smtClean="0"/>
-              <a:t>14-10-2024</a:t>
+              <a:t>15-10-2024</a:t>
             </a:fld>
             <a:endParaRPr lang="en-IN"/>
           </a:p>
@@ -1901,7 +1900,7 @@
           <a:p>
             <a:fld id="{4A91F4B0-090F-40E0-800B-72A81C3BBA0B}" type="datetimeFigureOut">
               <a:rPr lang="en-IN" smtClean="0"/>
-              <a:t>14-10-2024</a:t>
+              <a:t>15-10-2024</a:t>
             </a:fld>
             <a:endParaRPr lang="en-IN"/>
           </a:p>
@@ -2019,7 +2018,7 @@
           <a:p>
             <a:fld id="{4A91F4B0-090F-40E0-800B-72A81C3BBA0B}" type="datetimeFigureOut">
               <a:rPr lang="en-IN" smtClean="0"/>
-              <a:t>14-10-2024</a:t>
+              <a:t>15-10-2024</a:t>
             </a:fld>
             <a:endParaRPr lang="en-IN"/>
           </a:p>
@@ -2114,7 +2113,7 @@
           <a:p>
             <a:fld id="{4A91F4B0-090F-40E0-800B-72A81C3BBA0B}" type="datetimeFigureOut">
               <a:rPr lang="en-IN" smtClean="0"/>
-              <a:t>14-10-2024</a:t>
+              <a:t>15-10-2024</a:t>
             </a:fld>
             <a:endParaRPr lang="en-IN"/>
           </a:p>
@@ -2401,7 +2400,7 @@
           <a:p>
             <a:fld id="{4A91F4B0-090F-40E0-800B-72A81C3BBA0B}" type="datetimeFigureOut">
               <a:rPr lang="en-IN" smtClean="0"/>
-              <a:t>14-10-2024</a:t>
+              <a:t>15-10-2024</a:t>
             </a:fld>
             <a:endParaRPr lang="en-IN"/>
           </a:p>
@@ -2723,7 +2722,7 @@
           <a:p>
             <a:fld id="{4A91F4B0-090F-40E0-800B-72A81C3BBA0B}" type="datetimeFigureOut">
               <a:rPr lang="en-IN" smtClean="0"/>
-              <a:t>14-10-2024</a:t>
+              <a:t>15-10-2024</a:t>
             </a:fld>
             <a:endParaRPr lang="en-IN"/>
           </a:p>
@@ -2977,7 +2976,7 @@
           <a:p>
             <a:fld id="{4A91F4B0-090F-40E0-800B-72A81C3BBA0B}" type="datetimeFigureOut">
               <a:rPr lang="en-IN" smtClean="0"/>
-              <a:t>14-10-2024</a:t>
+              <a:t>15-10-2024</a:t>
             </a:fld>
             <a:endParaRPr lang="en-IN"/>
           </a:p>
@@ -3591,872 +3590,6 @@
           <p:cNvPr id="2" name="Title 1">
             <a:extLst>
               <a:ext uri="{FF2B5EF4-FFF2-40B4-BE49-F238E27FC236}">
-                <a16:creationId xmlns:a16="http://schemas.microsoft.com/office/drawing/2014/main" id="{410F0BC3-FBF9-0ED6-4331-7C6357A426DA}"/>
-              </a:ext>
-            </a:extLst>
-          </p:cNvPr>
-          <p:cNvSpPr>
-            <a:spLocks noGrp="1"/>
-          </p:cNvSpPr>
-          <p:nvPr>
-            <p:ph type="title"/>
-          </p:nvPr>
-        </p:nvSpPr>
-        <p:spPr/>
-        <p:txBody>
-          <a:bodyPr/>
-          <a:lstStyle/>
-          <a:p>
-            <a:r>
-              <a:rPr lang="en-IN" i="0" dirty="0">
-                <a:solidFill>
-                  <a:srgbClr val="273239"/>
-                </a:solidFill>
-                <a:effectLst/>
-                <a:latin typeface="Nunito" pitchFamily="2" charset="0"/>
-              </a:rPr>
-              <a:t>Working of Ternary Search cont..</a:t>
-            </a:r>
-            <a:endParaRPr lang="en-IN" dirty="0"/>
-          </a:p>
-        </p:txBody>
-      </p:sp>
-      <p:sp>
-        <p:nvSpPr>
-          <p:cNvPr id="3" name="Content Placeholder 2">
-            <a:extLst>
-              <a:ext uri="{FF2B5EF4-FFF2-40B4-BE49-F238E27FC236}">
-                <a16:creationId xmlns:a16="http://schemas.microsoft.com/office/drawing/2014/main" id="{DDB78082-A5B6-33E2-4A75-20885CA6316B}"/>
-              </a:ext>
-            </a:extLst>
-          </p:cNvPr>
-          <p:cNvSpPr>
-            <a:spLocks noGrp="1"/>
-          </p:cNvSpPr>
-          <p:nvPr>
-            <p:ph idx="1"/>
-          </p:nvPr>
-        </p:nvSpPr>
-        <p:spPr>
-          <a:xfrm>
-            <a:off x="838200" y="1825624"/>
-            <a:ext cx="10515600" cy="4811149"/>
-          </a:xfrm>
-        </p:spPr>
-        <p:txBody>
-          <a:bodyPr>
-            <a:normAutofit lnSpcReduction="10000"/>
-          </a:bodyPr>
-          <a:lstStyle/>
-          <a:p>
-            <a:pPr>
-              <a:buFont typeface="Wingdings" panose="05000000000000000000" pitchFamily="2" charset="2"/>
-              <a:buChar char="Ø"/>
-            </a:pPr>
-            <a:r>
-              <a:rPr lang="en-US" b="1" i="0" u="sng" dirty="0">
-                <a:solidFill>
-                  <a:srgbClr val="273239"/>
-                </a:solidFill>
-                <a:effectLst/>
-                <a:latin typeface="Nunito" pitchFamily="2" charset="0"/>
-              </a:rPr>
-              <a:t>Comparison with Target cont..</a:t>
-            </a:r>
-          </a:p>
-          <a:p>
-            <a:pPr marL="457200" lvl="1" indent="0">
-              <a:buNone/>
-            </a:pPr>
-            <a:r>
-              <a:rPr lang="en-US" dirty="0">
-                <a:solidFill>
-                  <a:srgbClr val="273239"/>
-                </a:solidFill>
-                <a:latin typeface="Nunito" pitchFamily="2" charset="0"/>
-              </a:rPr>
-              <a:t>now let’s calculate new mid 1 and new mid 2.</a:t>
-            </a:r>
-          </a:p>
-          <a:p>
-            <a:pPr algn="l" fontAlgn="base">
-              <a:buFont typeface="Arial" panose="020B0604020202020204" pitchFamily="34" charset="0"/>
-              <a:buChar char="•"/>
-            </a:pPr>
-            <a:r>
-              <a:rPr lang="en-US" sz="2400" b="0" i="0" dirty="0">
-                <a:solidFill>
-                  <a:srgbClr val="273239"/>
-                </a:solidFill>
-                <a:effectLst/>
-                <a:latin typeface="Nunito" pitchFamily="2" charset="0"/>
-              </a:rPr>
-              <a:t>mid1 = left + (right – left) / 3 </a:t>
-            </a:r>
-            <a:r>
-              <a:rPr lang="en-US" sz="2400" b="0" i="0" dirty="0">
-                <a:solidFill>
-                  <a:srgbClr val="273239"/>
-                </a:solidFill>
-                <a:effectLst/>
-                <a:latin typeface="Nunito" pitchFamily="2" charset="0"/>
-                <a:sym typeface="Wingdings" panose="05000000000000000000" pitchFamily="2" charset="2"/>
-              </a:rPr>
-              <a:t>3+(6-3)/3=4</a:t>
-            </a:r>
-            <a:endParaRPr lang="en-US" sz="2400" b="0" i="0" dirty="0">
-              <a:solidFill>
-                <a:srgbClr val="273239"/>
-              </a:solidFill>
-              <a:effectLst/>
-              <a:latin typeface="Nunito" pitchFamily="2" charset="0"/>
-            </a:endParaRPr>
-          </a:p>
-          <a:p>
-            <a:pPr algn="l" fontAlgn="base">
-              <a:buFont typeface="Arial" panose="020B0604020202020204" pitchFamily="34" charset="0"/>
-              <a:buChar char="•"/>
-            </a:pPr>
-            <a:r>
-              <a:rPr lang="en-US" sz="2400" b="0" i="0" dirty="0">
-                <a:solidFill>
-                  <a:srgbClr val="273239"/>
-                </a:solidFill>
-                <a:effectLst/>
-                <a:latin typeface="Nunito" pitchFamily="2" charset="0"/>
-              </a:rPr>
-              <a:t>mid2 = right – (right – left) / 3  </a:t>
-            </a:r>
-            <a:r>
-              <a:rPr lang="en-US" sz="2400" b="0" i="0" dirty="0">
-                <a:solidFill>
-                  <a:srgbClr val="273239"/>
-                </a:solidFill>
-                <a:effectLst/>
-                <a:latin typeface="Nunito" pitchFamily="2" charset="0"/>
-                <a:sym typeface="Wingdings" panose="05000000000000000000" pitchFamily="2" charset="2"/>
-              </a:rPr>
-              <a:t></a:t>
-            </a:r>
-            <a:r>
-              <a:rPr lang="en-US" sz="2400" dirty="0">
-                <a:solidFill>
-                  <a:srgbClr val="273239"/>
-                </a:solidFill>
-                <a:latin typeface="Nunito" pitchFamily="2" charset="0"/>
-                <a:sym typeface="Wingdings" panose="05000000000000000000" pitchFamily="2" charset="2"/>
-              </a:rPr>
-              <a:t>6</a:t>
-            </a:r>
-            <a:r>
-              <a:rPr lang="en-US" sz="2400" b="0" i="0" dirty="0">
-                <a:solidFill>
-                  <a:srgbClr val="273239"/>
-                </a:solidFill>
-                <a:effectLst/>
-                <a:latin typeface="Nunito" pitchFamily="2" charset="0"/>
-                <a:sym typeface="Wingdings" panose="05000000000000000000" pitchFamily="2" charset="2"/>
-              </a:rPr>
-              <a:t>-(6-3)/3=5</a:t>
-            </a:r>
-          </a:p>
-          <a:p>
-            <a:r>
-              <a:rPr lang="en-US" dirty="0"/>
-              <a:t>Check the value of </a:t>
-            </a:r>
-            <a:r>
-              <a:rPr lang="en-US" dirty="0">
-                <a:highlight>
-                  <a:srgbClr val="FFFF00"/>
-                </a:highlight>
-              </a:rPr>
-              <a:t>m1</a:t>
-            </a:r>
-            <a:r>
-              <a:rPr lang="en-US" dirty="0"/>
-              <a:t> and </a:t>
-            </a:r>
-            <a:r>
-              <a:rPr lang="en-US" dirty="0">
-                <a:highlight>
-                  <a:srgbClr val="FFFF00"/>
-                </a:highlight>
-              </a:rPr>
-              <a:t>m2</a:t>
-            </a:r>
-            <a:r>
-              <a:rPr lang="en-US" dirty="0"/>
-              <a:t>:</a:t>
-            </a:r>
-          </a:p>
-          <a:p>
-            <a:pPr lvl="1"/>
-            <a:r>
-              <a:rPr lang="en-US" dirty="0"/>
-              <a:t>array[m1] = array[4] = 5</a:t>
-            </a:r>
-          </a:p>
-          <a:p>
-            <a:pPr lvl="1"/>
-            <a:r>
-              <a:rPr lang="en-US" dirty="0"/>
-              <a:t>array[m2] = array[5] = 6</a:t>
-            </a:r>
-          </a:p>
-          <a:p>
-            <a:pPr algn="l" fontAlgn="base">
-              <a:buFont typeface="Arial" panose="020B0604020202020204" pitchFamily="34" charset="0"/>
-              <a:buChar char="•"/>
-            </a:pPr>
-            <a:endParaRPr lang="en-US" sz="2400" b="0" i="0" dirty="0">
-              <a:solidFill>
-                <a:srgbClr val="273239"/>
-              </a:solidFill>
-              <a:effectLst/>
-              <a:latin typeface="Nunito" pitchFamily="2" charset="0"/>
-              <a:sym typeface="Wingdings" panose="05000000000000000000" pitchFamily="2" charset="2"/>
-            </a:endParaRPr>
-          </a:p>
-          <a:p>
-            <a:pPr marL="0" indent="0" algn="l" fontAlgn="base">
-              <a:buNone/>
-            </a:pPr>
-            <a:endParaRPr lang="en-US" sz="2400" b="0" i="0" dirty="0">
-              <a:solidFill>
-                <a:srgbClr val="273239"/>
-              </a:solidFill>
-              <a:effectLst/>
-              <a:latin typeface="Nunito" pitchFamily="2" charset="0"/>
-              <a:sym typeface="Wingdings" panose="05000000000000000000" pitchFamily="2" charset="2"/>
-            </a:endParaRPr>
-          </a:p>
-          <a:p>
-            <a:pPr marL="0" indent="0" algn="l" fontAlgn="base">
-              <a:buNone/>
-            </a:pPr>
-            <a:r>
-              <a:rPr lang="en-US" sz="2400" dirty="0">
-                <a:solidFill>
-                  <a:srgbClr val="273239"/>
-                </a:solidFill>
-                <a:latin typeface="Nunito" pitchFamily="2" charset="0"/>
-              </a:rPr>
-              <a:t> </a:t>
-            </a:r>
-            <a:endParaRPr lang="en-US" sz="2400" b="0" i="0" dirty="0">
-              <a:solidFill>
-                <a:srgbClr val="273239"/>
-              </a:solidFill>
-              <a:effectLst/>
-              <a:latin typeface="Nunito" pitchFamily="2" charset="0"/>
-            </a:endParaRPr>
-          </a:p>
-          <a:p>
-            <a:pPr marL="457200" lvl="1" indent="0">
-              <a:buNone/>
-            </a:pPr>
-            <a:r>
-              <a:rPr lang="en-US" dirty="0">
-                <a:solidFill>
-                  <a:srgbClr val="273239"/>
-                </a:solidFill>
-                <a:latin typeface="Nunito" pitchFamily="2" charset="0"/>
-              </a:rPr>
-              <a:t>                                                 </a:t>
-            </a:r>
-          </a:p>
-          <a:p>
-            <a:pPr marL="457200" lvl="1" indent="0">
-              <a:buNone/>
-            </a:pPr>
-            <a:r>
-              <a:rPr lang="en-US" dirty="0">
-                <a:solidFill>
-                  <a:srgbClr val="273239"/>
-                </a:solidFill>
-                <a:latin typeface="Nunito" pitchFamily="2" charset="0"/>
-              </a:rPr>
-              <a:t>                                                                           m1     m2</a:t>
-            </a:r>
-          </a:p>
-        </p:txBody>
-      </p:sp>
-      <p:graphicFrame>
-        <p:nvGraphicFramePr>
-          <p:cNvPr id="6" name="Table 5">
-            <a:extLst>
-              <a:ext uri="{FF2B5EF4-FFF2-40B4-BE49-F238E27FC236}">
-                <a16:creationId xmlns:a16="http://schemas.microsoft.com/office/drawing/2014/main" id="{5275DB24-96C0-5EE5-14EB-EEB4275F7D6B}"/>
-              </a:ext>
-            </a:extLst>
-          </p:cNvPr>
-          <p:cNvGraphicFramePr>
-            <a:graphicFrameLocks noGrp="1"/>
-          </p:cNvGraphicFramePr>
-          <p:nvPr>
-            <p:extLst>
-              <p:ext uri="{D42A27DB-BD31-4B8C-83A1-F6EECF244321}">
-                <p14:modId xmlns:p14="http://schemas.microsoft.com/office/powerpoint/2010/main" val="16400840"/>
-              </p:ext>
-            </p:extLst>
-          </p:nvPr>
-        </p:nvGraphicFramePr>
-        <p:xfrm>
-          <a:off x="1638710" y="5245558"/>
-          <a:ext cx="8128000" cy="365760"/>
-        </p:xfrm>
-        <a:graphic>
-          <a:graphicData uri="http://schemas.openxmlformats.org/drawingml/2006/table">
-            <a:tbl>
-              <a:tblPr firstRow="1" bandRow="1">
-                <a:tableStyleId>{2D5ABB26-0587-4C30-8999-92F81FD0307C}</a:tableStyleId>
-              </a:tblPr>
-              <a:tblGrid>
-                <a:gridCol w="812800">
-                  <a:extLst>
-                    <a:ext uri="{9D8B030D-6E8A-4147-A177-3AD203B41FA5}">
-                      <a16:colId xmlns:a16="http://schemas.microsoft.com/office/drawing/2014/main" val="2458723199"/>
-                    </a:ext>
-                  </a:extLst>
-                </a:gridCol>
-                <a:gridCol w="812800">
-                  <a:extLst>
-                    <a:ext uri="{9D8B030D-6E8A-4147-A177-3AD203B41FA5}">
-                      <a16:colId xmlns:a16="http://schemas.microsoft.com/office/drawing/2014/main" val="1404449613"/>
-                    </a:ext>
-                  </a:extLst>
-                </a:gridCol>
-                <a:gridCol w="812800">
-                  <a:extLst>
-                    <a:ext uri="{9D8B030D-6E8A-4147-A177-3AD203B41FA5}">
-                      <a16:colId xmlns:a16="http://schemas.microsoft.com/office/drawing/2014/main" val="3171780100"/>
-                    </a:ext>
-                  </a:extLst>
-                </a:gridCol>
-                <a:gridCol w="812800">
-                  <a:extLst>
-                    <a:ext uri="{9D8B030D-6E8A-4147-A177-3AD203B41FA5}">
-                      <a16:colId xmlns:a16="http://schemas.microsoft.com/office/drawing/2014/main" val="270768732"/>
-                    </a:ext>
-                  </a:extLst>
-                </a:gridCol>
-                <a:gridCol w="812800">
-                  <a:extLst>
-                    <a:ext uri="{9D8B030D-6E8A-4147-A177-3AD203B41FA5}">
-                      <a16:colId xmlns:a16="http://schemas.microsoft.com/office/drawing/2014/main" val="256482197"/>
-                    </a:ext>
-                  </a:extLst>
-                </a:gridCol>
-                <a:gridCol w="812800">
-                  <a:extLst>
-                    <a:ext uri="{9D8B030D-6E8A-4147-A177-3AD203B41FA5}">
-                      <a16:colId xmlns:a16="http://schemas.microsoft.com/office/drawing/2014/main" val="2865505667"/>
-                    </a:ext>
-                  </a:extLst>
-                </a:gridCol>
-                <a:gridCol w="812800">
-                  <a:extLst>
-                    <a:ext uri="{9D8B030D-6E8A-4147-A177-3AD203B41FA5}">
-                      <a16:colId xmlns:a16="http://schemas.microsoft.com/office/drawing/2014/main" val="1265900960"/>
-                    </a:ext>
-                  </a:extLst>
-                </a:gridCol>
-                <a:gridCol w="812800">
-                  <a:extLst>
-                    <a:ext uri="{9D8B030D-6E8A-4147-A177-3AD203B41FA5}">
-                      <a16:colId xmlns:a16="http://schemas.microsoft.com/office/drawing/2014/main" val="1995897917"/>
-                    </a:ext>
-                  </a:extLst>
-                </a:gridCol>
-                <a:gridCol w="812800">
-                  <a:extLst>
-                    <a:ext uri="{9D8B030D-6E8A-4147-A177-3AD203B41FA5}">
-                      <a16:colId xmlns:a16="http://schemas.microsoft.com/office/drawing/2014/main" val="468768207"/>
-                    </a:ext>
-                  </a:extLst>
-                </a:gridCol>
-                <a:gridCol w="812800">
-                  <a:extLst>
-                    <a:ext uri="{9D8B030D-6E8A-4147-A177-3AD203B41FA5}">
-                      <a16:colId xmlns:a16="http://schemas.microsoft.com/office/drawing/2014/main" val="2056267199"/>
-                    </a:ext>
-                  </a:extLst>
-                </a:gridCol>
-              </a:tblGrid>
-              <a:tr h="358183">
-                <a:tc>
-                  <a:txBody>
-                    <a:bodyPr/>
-                    <a:lstStyle/>
-                    <a:p>
-                      <a:pPr algn="ctr"/>
-                      <a:r>
-                        <a:rPr lang="en-US" dirty="0"/>
-                        <a:t>0</a:t>
-                      </a:r>
-                      <a:endParaRPr lang="en-IN" dirty="0"/>
-                    </a:p>
-                  </a:txBody>
-                  <a:tcPr/>
-                </a:tc>
-                <a:tc>
-                  <a:txBody>
-                    <a:bodyPr/>
-                    <a:lstStyle/>
-                    <a:p>
-                      <a:pPr algn="ctr"/>
-                      <a:r>
-                        <a:rPr lang="en-US" dirty="0"/>
-                        <a:t>1</a:t>
-                      </a:r>
-                      <a:endParaRPr lang="en-IN" dirty="0"/>
-                    </a:p>
-                  </a:txBody>
-                  <a:tcPr/>
-                </a:tc>
-                <a:tc>
-                  <a:txBody>
-                    <a:bodyPr/>
-                    <a:lstStyle/>
-                    <a:p>
-                      <a:pPr algn="ctr"/>
-                      <a:r>
-                        <a:rPr lang="en-US" dirty="0"/>
-                        <a:t>2</a:t>
-                      </a:r>
-                      <a:endParaRPr lang="en-IN" dirty="0"/>
-                    </a:p>
-                  </a:txBody>
-                  <a:tcPr/>
-                </a:tc>
-                <a:tc>
-                  <a:txBody>
-                    <a:bodyPr/>
-                    <a:lstStyle/>
-                    <a:p>
-                      <a:pPr algn="ctr"/>
-                      <a:r>
-                        <a:rPr lang="en-US" dirty="0"/>
-                        <a:t>3</a:t>
-                      </a:r>
-                      <a:endParaRPr lang="en-IN" dirty="0"/>
-                    </a:p>
-                  </a:txBody>
-                  <a:tcPr/>
-                </a:tc>
-                <a:tc>
-                  <a:txBody>
-                    <a:bodyPr/>
-                    <a:lstStyle/>
-                    <a:p>
-                      <a:pPr algn="ctr"/>
-                      <a:r>
-                        <a:rPr lang="en-US" dirty="0"/>
-                        <a:t>4</a:t>
-                      </a:r>
-                      <a:endParaRPr lang="en-IN" dirty="0"/>
-                    </a:p>
-                  </a:txBody>
-                  <a:tcPr/>
-                </a:tc>
-                <a:tc>
-                  <a:txBody>
-                    <a:bodyPr/>
-                    <a:lstStyle/>
-                    <a:p>
-                      <a:pPr algn="ctr"/>
-                      <a:r>
-                        <a:rPr lang="en-US" dirty="0"/>
-                        <a:t>5</a:t>
-                      </a:r>
-                      <a:endParaRPr lang="en-IN" dirty="0"/>
-                    </a:p>
-                  </a:txBody>
-                  <a:tcPr/>
-                </a:tc>
-                <a:tc>
-                  <a:txBody>
-                    <a:bodyPr/>
-                    <a:lstStyle/>
-                    <a:p>
-                      <a:pPr algn="ctr"/>
-                      <a:r>
-                        <a:rPr lang="en-US" dirty="0"/>
-                        <a:t>6</a:t>
-                      </a:r>
-                      <a:endParaRPr lang="en-IN" dirty="0"/>
-                    </a:p>
-                  </a:txBody>
-                  <a:tcPr/>
-                </a:tc>
-                <a:tc>
-                  <a:txBody>
-                    <a:bodyPr/>
-                    <a:lstStyle/>
-                    <a:p>
-                      <a:pPr algn="ctr"/>
-                      <a:r>
-                        <a:rPr lang="en-US" dirty="0"/>
-                        <a:t>7</a:t>
-                      </a:r>
-                      <a:endParaRPr lang="en-IN" dirty="0"/>
-                    </a:p>
-                  </a:txBody>
-                  <a:tcPr/>
-                </a:tc>
-                <a:tc>
-                  <a:txBody>
-                    <a:bodyPr/>
-                    <a:lstStyle/>
-                    <a:p>
-                      <a:pPr algn="ctr"/>
-                      <a:r>
-                        <a:rPr lang="en-US" dirty="0"/>
-                        <a:t>8</a:t>
-                      </a:r>
-                      <a:endParaRPr lang="en-IN" dirty="0"/>
-                    </a:p>
-                  </a:txBody>
-                  <a:tcPr/>
-                </a:tc>
-                <a:tc>
-                  <a:txBody>
-                    <a:bodyPr/>
-                    <a:lstStyle/>
-                    <a:p>
-                      <a:pPr algn="ctr"/>
-                      <a:r>
-                        <a:rPr lang="en-US" dirty="0"/>
-                        <a:t>9</a:t>
-                      </a:r>
-                      <a:endParaRPr lang="en-IN" dirty="0"/>
-                    </a:p>
-                  </a:txBody>
-                  <a:tcPr/>
-                </a:tc>
-                <a:extLst>
-                  <a:ext uri="{0D108BD9-81ED-4DB2-BD59-A6C34878D82A}">
-                    <a16:rowId xmlns:a16="http://schemas.microsoft.com/office/drawing/2014/main" val="537897383"/>
-                  </a:ext>
-                </a:extLst>
-              </a:tr>
-            </a:tbl>
-          </a:graphicData>
-        </a:graphic>
-      </p:graphicFrame>
-      <p:graphicFrame>
-        <p:nvGraphicFramePr>
-          <p:cNvPr id="7" name="Table 6">
-            <a:extLst>
-              <a:ext uri="{FF2B5EF4-FFF2-40B4-BE49-F238E27FC236}">
-                <a16:creationId xmlns:a16="http://schemas.microsoft.com/office/drawing/2014/main" id="{A78B3179-63AA-AF78-BBD4-912CFAA55368}"/>
-              </a:ext>
-            </a:extLst>
-          </p:cNvPr>
-          <p:cNvGraphicFramePr>
-            <a:graphicFrameLocks noGrp="1"/>
-          </p:cNvGraphicFramePr>
-          <p:nvPr>
-            <p:extLst>
-              <p:ext uri="{D42A27DB-BD31-4B8C-83A1-F6EECF244321}">
-                <p14:modId xmlns:p14="http://schemas.microsoft.com/office/powerpoint/2010/main" val="2500323899"/>
-              </p:ext>
-            </p:extLst>
-          </p:nvPr>
-        </p:nvGraphicFramePr>
-        <p:xfrm>
-          <a:off x="1638710" y="5746255"/>
-          <a:ext cx="8128000" cy="430708"/>
-        </p:xfrm>
-        <a:graphic>
-          <a:graphicData uri="http://schemas.openxmlformats.org/drawingml/2006/table">
-            <a:tbl>
-              <a:tblPr firstRow="1" bandRow="1">
-                <a:tableStyleId>{8799B23B-EC83-4686-B30A-512413B5E67A}</a:tableStyleId>
-              </a:tblPr>
-              <a:tblGrid>
-                <a:gridCol w="812800">
-                  <a:extLst>
-                    <a:ext uri="{9D8B030D-6E8A-4147-A177-3AD203B41FA5}">
-                      <a16:colId xmlns:a16="http://schemas.microsoft.com/office/drawing/2014/main" val="313371908"/>
-                    </a:ext>
-                  </a:extLst>
-                </a:gridCol>
-                <a:gridCol w="812800">
-                  <a:extLst>
-                    <a:ext uri="{9D8B030D-6E8A-4147-A177-3AD203B41FA5}">
-                      <a16:colId xmlns:a16="http://schemas.microsoft.com/office/drawing/2014/main" val="2349975014"/>
-                    </a:ext>
-                  </a:extLst>
-                </a:gridCol>
-                <a:gridCol w="812800">
-                  <a:extLst>
-                    <a:ext uri="{9D8B030D-6E8A-4147-A177-3AD203B41FA5}">
-                      <a16:colId xmlns:a16="http://schemas.microsoft.com/office/drawing/2014/main" val="1005170596"/>
-                    </a:ext>
-                  </a:extLst>
-                </a:gridCol>
-                <a:gridCol w="812800">
-                  <a:extLst>
-                    <a:ext uri="{9D8B030D-6E8A-4147-A177-3AD203B41FA5}">
-                      <a16:colId xmlns:a16="http://schemas.microsoft.com/office/drawing/2014/main" val="2569176356"/>
-                    </a:ext>
-                  </a:extLst>
-                </a:gridCol>
-                <a:gridCol w="812800">
-                  <a:extLst>
-                    <a:ext uri="{9D8B030D-6E8A-4147-A177-3AD203B41FA5}">
-                      <a16:colId xmlns:a16="http://schemas.microsoft.com/office/drawing/2014/main" val="942456242"/>
-                    </a:ext>
-                  </a:extLst>
-                </a:gridCol>
-                <a:gridCol w="812800">
-                  <a:extLst>
-                    <a:ext uri="{9D8B030D-6E8A-4147-A177-3AD203B41FA5}">
-                      <a16:colId xmlns:a16="http://schemas.microsoft.com/office/drawing/2014/main" val="2684681096"/>
-                    </a:ext>
-                  </a:extLst>
-                </a:gridCol>
-                <a:gridCol w="812800">
-                  <a:extLst>
-                    <a:ext uri="{9D8B030D-6E8A-4147-A177-3AD203B41FA5}">
-                      <a16:colId xmlns:a16="http://schemas.microsoft.com/office/drawing/2014/main" val="3667495214"/>
-                    </a:ext>
-                  </a:extLst>
-                </a:gridCol>
-                <a:gridCol w="812800">
-                  <a:extLst>
-                    <a:ext uri="{9D8B030D-6E8A-4147-A177-3AD203B41FA5}">
-                      <a16:colId xmlns:a16="http://schemas.microsoft.com/office/drawing/2014/main" val="3193465481"/>
-                    </a:ext>
-                  </a:extLst>
-                </a:gridCol>
-                <a:gridCol w="812800">
-                  <a:extLst>
-                    <a:ext uri="{9D8B030D-6E8A-4147-A177-3AD203B41FA5}">
-                      <a16:colId xmlns:a16="http://schemas.microsoft.com/office/drawing/2014/main" val="3347010915"/>
-                    </a:ext>
-                  </a:extLst>
-                </a:gridCol>
-                <a:gridCol w="812800">
-                  <a:extLst>
-                    <a:ext uri="{9D8B030D-6E8A-4147-A177-3AD203B41FA5}">
-                      <a16:colId xmlns:a16="http://schemas.microsoft.com/office/drawing/2014/main" val="118608522"/>
-                    </a:ext>
-                  </a:extLst>
-                </a:gridCol>
-              </a:tblGrid>
-              <a:tr h="430708">
-                <a:tc>
-                  <a:txBody>
-                    <a:bodyPr/>
-                    <a:lstStyle/>
-                    <a:p>
-                      <a:pPr algn="ctr"/>
-                      <a:r>
-                        <a:rPr lang="en-US" dirty="0"/>
-                        <a:t>1</a:t>
-                      </a:r>
-                      <a:endParaRPr lang="en-IN" dirty="0"/>
-                    </a:p>
-                  </a:txBody>
-                  <a:tcPr/>
-                </a:tc>
-                <a:tc>
-                  <a:txBody>
-                    <a:bodyPr/>
-                    <a:lstStyle/>
-                    <a:p>
-                      <a:pPr algn="ctr"/>
-                      <a:r>
-                        <a:rPr lang="en-US" dirty="0"/>
-                        <a:t>2</a:t>
-                      </a:r>
-                      <a:endParaRPr lang="en-IN" dirty="0"/>
-                    </a:p>
-                  </a:txBody>
-                  <a:tcPr/>
-                </a:tc>
-                <a:tc>
-                  <a:txBody>
-                    <a:bodyPr/>
-                    <a:lstStyle/>
-                    <a:p>
-                      <a:pPr algn="ctr"/>
-                      <a:r>
-                        <a:rPr lang="en-US" dirty="0"/>
-                        <a:t>3</a:t>
-                      </a:r>
-                      <a:endParaRPr lang="en-IN" dirty="0"/>
-                    </a:p>
-                  </a:txBody>
-                  <a:tcPr/>
-                </a:tc>
-                <a:tc>
-                  <a:txBody>
-                    <a:bodyPr/>
-                    <a:lstStyle/>
-                    <a:p>
-                      <a:pPr algn="ctr"/>
-                      <a:r>
-                        <a:rPr lang="en-US" dirty="0"/>
-                        <a:t>4</a:t>
-                      </a:r>
-                      <a:endParaRPr lang="en-IN" dirty="0"/>
-                    </a:p>
-                  </a:txBody>
-                  <a:tcPr/>
-                </a:tc>
-                <a:tc>
-                  <a:txBody>
-                    <a:bodyPr/>
-                    <a:lstStyle/>
-                    <a:p>
-                      <a:pPr algn="ctr"/>
-                      <a:r>
-                        <a:rPr lang="en-US" dirty="0"/>
-                        <a:t>5</a:t>
-                      </a:r>
-                      <a:endParaRPr lang="en-IN" dirty="0"/>
-                    </a:p>
-                  </a:txBody>
-                  <a:tcPr>
-                    <a:solidFill>
-                      <a:schemeClr val="accent1">
-                        <a:lumMod val="40000"/>
-                        <a:lumOff val="60000"/>
-                      </a:schemeClr>
-                    </a:solidFill>
-                  </a:tcPr>
-                </a:tc>
-                <a:tc>
-                  <a:txBody>
-                    <a:bodyPr/>
-                    <a:lstStyle/>
-                    <a:p>
-                      <a:pPr algn="ctr"/>
-                      <a:r>
-                        <a:rPr lang="en-US" dirty="0"/>
-                        <a:t>6</a:t>
-                      </a:r>
-                      <a:endParaRPr lang="en-IN" dirty="0"/>
-                    </a:p>
-                  </a:txBody>
-                  <a:tcPr>
-                    <a:solidFill>
-                      <a:schemeClr val="accent1">
-                        <a:lumMod val="40000"/>
-                        <a:lumOff val="60000"/>
-                      </a:schemeClr>
-                    </a:solidFill>
-                  </a:tcPr>
-                </a:tc>
-                <a:tc>
-                  <a:txBody>
-                    <a:bodyPr/>
-                    <a:lstStyle/>
-                    <a:p>
-                      <a:pPr algn="ctr"/>
-                      <a:r>
-                        <a:rPr lang="en-US" dirty="0"/>
-                        <a:t>7</a:t>
-                      </a:r>
-                      <a:endParaRPr lang="en-IN" dirty="0"/>
-                    </a:p>
-                  </a:txBody>
-                  <a:tcPr/>
-                </a:tc>
-                <a:tc>
-                  <a:txBody>
-                    <a:bodyPr/>
-                    <a:lstStyle/>
-                    <a:p>
-                      <a:pPr algn="ctr"/>
-                      <a:r>
-                        <a:rPr lang="en-US" dirty="0"/>
-                        <a:t>8</a:t>
-                      </a:r>
-                      <a:endParaRPr lang="en-IN" dirty="0"/>
-                    </a:p>
-                  </a:txBody>
-                  <a:tcPr/>
-                </a:tc>
-                <a:tc>
-                  <a:txBody>
-                    <a:bodyPr/>
-                    <a:lstStyle/>
-                    <a:p>
-                      <a:pPr algn="ctr"/>
-                      <a:r>
-                        <a:rPr lang="en-US" dirty="0"/>
-                        <a:t>9</a:t>
-                      </a:r>
-                      <a:endParaRPr lang="en-IN" dirty="0"/>
-                    </a:p>
-                  </a:txBody>
-                  <a:tcPr/>
-                </a:tc>
-                <a:tc>
-                  <a:txBody>
-                    <a:bodyPr/>
-                    <a:lstStyle/>
-                    <a:p>
-                      <a:pPr algn="ctr"/>
-                      <a:r>
-                        <a:rPr lang="en-US" dirty="0"/>
-                        <a:t>10</a:t>
-                      </a:r>
-                      <a:endParaRPr lang="en-IN" dirty="0"/>
-                    </a:p>
-                  </a:txBody>
-                  <a:tcPr/>
-                </a:tc>
-                <a:extLst>
-                  <a:ext uri="{0D108BD9-81ED-4DB2-BD59-A6C34878D82A}">
-                    <a16:rowId xmlns:a16="http://schemas.microsoft.com/office/drawing/2014/main" val="2367496079"/>
-                  </a:ext>
-                </a:extLst>
-              </a:tr>
-            </a:tbl>
-          </a:graphicData>
-        </a:graphic>
-      </p:graphicFrame>
-    </p:spTree>
-    <p:extLst>
-      <p:ext uri="{BB962C8B-B14F-4D97-AF65-F5344CB8AC3E}">
-        <p14:creationId xmlns:p14="http://schemas.microsoft.com/office/powerpoint/2010/main" val="3576653608"/>
-      </p:ext>
-    </p:extLst>
-  </p:cSld>
-  <p:clrMapOvr>
-    <a:masterClrMapping/>
-  </p:clrMapOvr>
-</p:sld>
-</file>
-
-<file path=ppt/slides/slide11.xml><?xml version="1.0" encoding="utf-8"?>
-<p:sld xmlns:a="http://schemas.openxmlformats.org/drawingml/2006/main" xmlns:r="http://schemas.openxmlformats.org/officeDocument/2006/relationships" xmlns:p="http://schemas.openxmlformats.org/presentationml/2006/main">
-  <p:cSld>
-    <p:spTree>
-      <p:nvGrpSpPr>
-        <p:cNvPr id="1" name=""/>
-        <p:cNvGrpSpPr/>
-        <p:nvPr/>
-      </p:nvGrpSpPr>
-      <p:grpSpPr>
-        <a:xfrm>
-          <a:off x="0" y="0"/>
-          <a:ext cx="0" cy="0"/>
-          <a:chOff x="0" y="0"/>
-          <a:chExt cx="0" cy="0"/>
-        </a:xfrm>
-      </p:grpSpPr>
-      <p:sp>
-        <p:nvSpPr>
-          <p:cNvPr id="2" name="Title 1">
-            <a:extLst>
-              <a:ext uri="{FF2B5EF4-FFF2-40B4-BE49-F238E27FC236}">
                 <a16:creationId xmlns:a16="http://schemas.microsoft.com/office/drawing/2014/main" id="{A3BE646C-6D1F-1E53-0F5C-40F2AAE826F4}"/>
               </a:ext>
             </a:extLst>
@@ -5128,7 +4261,7 @@
 </p:sld>
 </file>
 
-<file path=ppt/slides/slide12.xml><?xml version="1.0" encoding="utf-8"?>
+<file path=ppt/slides/slide11.xml><?xml version="1.0" encoding="utf-8"?>
 <p:sld xmlns:a="http://schemas.openxmlformats.org/drawingml/2006/main" xmlns:r="http://schemas.openxmlformats.org/officeDocument/2006/relationships" xmlns:p="http://schemas.openxmlformats.org/presentationml/2006/main">
   <p:cSld>
     <p:spTree>
@@ -5227,7 +4360,7 @@
 </p:sld>
 </file>
 
-<file path=ppt/slides/slide13.xml><?xml version="1.0" encoding="utf-8"?>
+<file path=ppt/slides/slide12.xml><?xml version="1.0" encoding="utf-8"?>
 <p:sld xmlns:a="http://schemas.openxmlformats.org/drawingml/2006/main" xmlns:r="http://schemas.openxmlformats.org/officeDocument/2006/relationships" xmlns:p="http://schemas.openxmlformats.org/presentationml/2006/main">
   <p:cSld>
     <p:spTree>
@@ -6014,125 +5147,6 @@
           <p:cNvPr id="2" name="Title 1">
             <a:extLst>
               <a:ext uri="{FF2B5EF4-FFF2-40B4-BE49-F238E27FC236}">
-                <a16:creationId xmlns:a16="http://schemas.microsoft.com/office/drawing/2014/main" id="{C50832A9-8923-97C6-7FAE-9705A5FD5A44}"/>
-              </a:ext>
-            </a:extLst>
-          </p:cNvPr>
-          <p:cNvSpPr>
-            <a:spLocks noGrp="1"/>
-          </p:cNvSpPr>
-          <p:nvPr>
-            <p:ph type="title"/>
-          </p:nvPr>
-        </p:nvSpPr>
-        <p:spPr/>
-        <p:txBody>
-          <a:bodyPr/>
-          <a:lstStyle/>
-          <a:p>
-            <a:r>
-              <a:rPr lang="en-US" dirty="0"/>
-              <a:t>When we use Ternary Search?</a:t>
-            </a:r>
-            <a:endParaRPr lang="en-IN" dirty="0"/>
-          </a:p>
-        </p:txBody>
-      </p:sp>
-      <p:sp>
-        <p:nvSpPr>
-          <p:cNvPr id="3" name="Content Placeholder 2">
-            <a:extLst>
-              <a:ext uri="{FF2B5EF4-FFF2-40B4-BE49-F238E27FC236}">
-                <a16:creationId xmlns:a16="http://schemas.microsoft.com/office/drawing/2014/main" id="{A3CB0B9C-CC85-DE95-5088-DD8B80F3FC17}"/>
-              </a:ext>
-            </a:extLst>
-          </p:cNvPr>
-          <p:cNvSpPr>
-            <a:spLocks noGrp="1"/>
-          </p:cNvSpPr>
-          <p:nvPr>
-            <p:ph idx="1"/>
-          </p:nvPr>
-        </p:nvSpPr>
-        <p:spPr/>
-        <p:txBody>
-          <a:bodyPr/>
-          <a:lstStyle/>
-          <a:p>
-            <a:pPr algn="l" fontAlgn="base">
-              <a:buFont typeface="Arial" panose="020B0604020202020204" pitchFamily="34" charset="0"/>
-              <a:buChar char="•"/>
-            </a:pPr>
-            <a:r>
-              <a:rPr lang="en-US" sz="3200" b="0" i="0" dirty="0">
-                <a:solidFill>
-                  <a:srgbClr val="273239"/>
-                </a:solidFill>
-                <a:effectLst/>
-                <a:latin typeface="+mj-lt"/>
-              </a:rPr>
-              <a:t>When you have a large ordered array or list and need to find the position of a specific value.</a:t>
-            </a:r>
-          </a:p>
-          <a:p>
-            <a:pPr algn="l" fontAlgn="base">
-              <a:buFont typeface="Arial" panose="020B0604020202020204" pitchFamily="34" charset="0"/>
-              <a:buChar char="•"/>
-            </a:pPr>
-            <a:r>
-              <a:rPr lang="en-US" sz="3200" b="0" i="0" dirty="0">
-                <a:solidFill>
-                  <a:srgbClr val="273239"/>
-                </a:solidFill>
-                <a:effectLst/>
-                <a:latin typeface="+mj-lt"/>
-              </a:rPr>
-              <a:t>When you need to find the maximum or minimum value of a function.</a:t>
-            </a:r>
-          </a:p>
-          <a:p>
-            <a:pPr marL="0" indent="0">
-              <a:buNone/>
-            </a:pPr>
-            <a:endParaRPr lang="en-IN" dirty="0"/>
-          </a:p>
-        </p:txBody>
-      </p:sp>
-    </p:spTree>
-    <p:extLst>
-      <p:ext uri="{BB962C8B-B14F-4D97-AF65-F5344CB8AC3E}">
-        <p14:creationId xmlns:p14="http://schemas.microsoft.com/office/powerpoint/2010/main" val="2620619933"/>
-      </p:ext>
-    </p:extLst>
-  </p:cSld>
-  <p:clrMapOvr>
-    <a:masterClrMapping/>
-  </p:clrMapOvr>
-</p:sld>
-</file>
-
-<file path=ppt/slides/slide7.xml><?xml version="1.0" encoding="utf-8"?>
-<p:sld xmlns:a="http://schemas.openxmlformats.org/drawingml/2006/main" xmlns:r="http://schemas.openxmlformats.org/officeDocument/2006/relationships" xmlns:p="http://schemas.openxmlformats.org/presentationml/2006/main">
-  <p:cSld>
-    <p:spTree>
-      <p:nvGrpSpPr>
-        <p:cNvPr id="1" name=""/>
-        <p:cNvGrpSpPr/>
-        <p:nvPr/>
-      </p:nvGrpSpPr>
-      <p:grpSpPr>
-        <a:xfrm>
-          <a:off x="0" y="0"/>
-          <a:ext cx="0" cy="0"/>
-          <a:chOff x="0" y="0"/>
-          <a:chExt cx="0" cy="0"/>
-        </a:xfrm>
-      </p:grpSpPr>
-      <p:sp>
-        <p:nvSpPr>
-          <p:cNvPr id="2" name="Title 1">
-            <a:extLst>
-              <a:ext uri="{FF2B5EF4-FFF2-40B4-BE49-F238E27FC236}">
                 <a16:creationId xmlns:a16="http://schemas.microsoft.com/office/drawing/2014/main" id="{C92BD3B6-34E1-E775-0082-987FE666D255}"/>
               </a:ext>
             </a:extLst>
@@ -6368,7 +5382,7 @@
 </p:sld>
 </file>
 
-<file path=ppt/slides/slide8.xml><?xml version="1.0" encoding="utf-8"?>
+<file path=ppt/slides/slide7.xml><?xml version="1.0" encoding="utf-8"?>
 <p:sld xmlns:a="http://schemas.openxmlformats.org/drawingml/2006/main" xmlns:r="http://schemas.openxmlformats.org/officeDocument/2006/relationships" xmlns:p="http://schemas.openxmlformats.org/presentationml/2006/main">
   <p:cSld>
     <p:spTree>
@@ -7025,6 +6039,190 @@
 </p:sld>
 </file>
 
+<file path=ppt/slides/slide8.xml><?xml version="1.0" encoding="utf-8"?>
+<p:sld xmlns:a="http://schemas.openxmlformats.org/drawingml/2006/main" xmlns:r="http://schemas.openxmlformats.org/officeDocument/2006/relationships" xmlns:p="http://schemas.openxmlformats.org/presentationml/2006/main">
+  <p:cSld>
+    <p:spTree>
+      <p:nvGrpSpPr>
+        <p:cNvPr id="1" name=""/>
+        <p:cNvGrpSpPr/>
+        <p:nvPr/>
+      </p:nvGrpSpPr>
+      <p:grpSpPr>
+        <a:xfrm>
+          <a:off x="0" y="0"/>
+          <a:ext cx="0" cy="0"/>
+          <a:chOff x="0" y="0"/>
+          <a:chExt cx="0" cy="0"/>
+        </a:xfrm>
+      </p:grpSpPr>
+      <p:sp>
+        <p:nvSpPr>
+          <p:cNvPr id="2" name="Title 1">
+            <a:extLst>
+              <a:ext uri="{FF2B5EF4-FFF2-40B4-BE49-F238E27FC236}">
+                <a16:creationId xmlns:a16="http://schemas.microsoft.com/office/drawing/2014/main" id="{CAD71E5D-24B2-D484-1F4C-C24568987B27}"/>
+              </a:ext>
+            </a:extLst>
+          </p:cNvPr>
+          <p:cNvSpPr>
+            <a:spLocks noGrp="1"/>
+          </p:cNvSpPr>
+          <p:nvPr>
+            <p:ph type="title"/>
+          </p:nvPr>
+        </p:nvSpPr>
+        <p:spPr/>
+        <p:txBody>
+          <a:bodyPr/>
+          <a:lstStyle/>
+          <a:p>
+            <a:r>
+              <a:rPr lang="en-IN" i="0" dirty="0">
+                <a:solidFill>
+                  <a:srgbClr val="273239"/>
+                </a:solidFill>
+                <a:effectLst/>
+                <a:latin typeface="Nunito" pitchFamily="2" charset="0"/>
+              </a:rPr>
+              <a:t>Working of Ternary Search cont..</a:t>
+            </a:r>
+            <a:endParaRPr lang="en-IN" dirty="0"/>
+          </a:p>
+        </p:txBody>
+      </p:sp>
+      <p:sp>
+        <p:nvSpPr>
+          <p:cNvPr id="3" name="Content Placeholder 2">
+            <a:extLst>
+              <a:ext uri="{FF2B5EF4-FFF2-40B4-BE49-F238E27FC236}">
+                <a16:creationId xmlns:a16="http://schemas.microsoft.com/office/drawing/2014/main" id="{EA2AD066-2EB7-9824-A075-2BBE6F2848E0}"/>
+              </a:ext>
+            </a:extLst>
+          </p:cNvPr>
+          <p:cNvSpPr>
+            <a:spLocks noGrp="1"/>
+          </p:cNvSpPr>
+          <p:nvPr>
+            <p:ph idx="1"/>
+          </p:nvPr>
+        </p:nvSpPr>
+        <p:spPr/>
+        <p:txBody>
+          <a:bodyPr/>
+          <a:lstStyle/>
+          <a:p>
+            <a:pPr>
+              <a:buFont typeface="Wingdings" panose="05000000000000000000" pitchFamily="2" charset="2"/>
+              <a:buChar char="Ø"/>
+            </a:pPr>
+            <a:r>
+              <a:rPr lang="en-US" b="1" i="0" u="sng" dirty="0">
+                <a:solidFill>
+                  <a:srgbClr val="273239"/>
+                </a:solidFill>
+                <a:effectLst/>
+                <a:latin typeface="Nunito" pitchFamily="2" charset="0"/>
+              </a:rPr>
+              <a:t>Comparison with Target cont..</a:t>
+            </a:r>
+            <a:endParaRPr lang="en-US" dirty="0"/>
+          </a:p>
+          <a:p>
+            <a:r>
+              <a:rPr lang="en-US" dirty="0"/>
+              <a:t>Check the value of </a:t>
+            </a:r>
+            <a:r>
+              <a:rPr lang="en-US" dirty="0">
+                <a:highlight>
+                  <a:srgbClr val="FFFF00"/>
+                </a:highlight>
+              </a:rPr>
+              <a:t>m1</a:t>
+            </a:r>
+            <a:r>
+              <a:rPr lang="en-US" dirty="0"/>
+              <a:t> and </a:t>
+            </a:r>
+            <a:r>
+              <a:rPr lang="en-US" dirty="0">
+                <a:highlight>
+                  <a:srgbClr val="FFFF00"/>
+                </a:highlight>
+              </a:rPr>
+              <a:t>m2</a:t>
+            </a:r>
+            <a:r>
+              <a:rPr lang="en-US" dirty="0"/>
+              <a:t>:</a:t>
+            </a:r>
+          </a:p>
+          <a:p>
+            <a:pPr lvl="1"/>
+            <a:r>
+              <a:rPr lang="en-US" dirty="0"/>
+              <a:t>array[m1] = array[3] = 4</a:t>
+            </a:r>
+          </a:p>
+          <a:p>
+            <a:pPr lvl="1"/>
+            <a:r>
+              <a:rPr lang="en-US" dirty="0"/>
+              <a:t>array[m2] = array[6] = 7</a:t>
+            </a:r>
+            <a:endParaRPr lang="en-IN" dirty="0"/>
+          </a:p>
+          <a:p>
+            <a:r>
+              <a:rPr lang="en-IN" dirty="0"/>
+              <a:t>Since 6 is greater than 4 but less than 7 </a:t>
+            </a:r>
+            <a:r>
+              <a:rPr lang="en-US" dirty="0"/>
+              <a:t>we search in the second segment:</a:t>
+            </a:r>
+          </a:p>
+          <a:p>
+            <a:r>
+              <a:rPr lang="en-IN" dirty="0"/>
+              <a:t> New Range: l = 3, r = 6</a:t>
+            </a:r>
+          </a:p>
+          <a:p>
+            <a:pPr marL="0" indent="0">
+              <a:buNone/>
+            </a:pPr>
+            <a:r>
+              <a:rPr lang="en-IN" dirty="0"/>
+              <a:t>	new left pointing value:-3</a:t>
+            </a:r>
+          </a:p>
+          <a:p>
+            <a:pPr marL="0" indent="0">
+              <a:buNone/>
+            </a:pPr>
+            <a:r>
+              <a:rPr lang="en-IN" dirty="0"/>
+              <a:t>	new right pointing value:-6</a:t>
+            </a:r>
+            <a:endParaRPr lang="en-US" dirty="0"/>
+          </a:p>
+        </p:txBody>
+      </p:sp>
+    </p:spTree>
+    <p:extLst>
+      <p:ext uri="{BB962C8B-B14F-4D97-AF65-F5344CB8AC3E}">
+        <p14:creationId xmlns:p14="http://schemas.microsoft.com/office/powerpoint/2010/main" val="4127838918"/>
+      </p:ext>
+    </p:extLst>
+  </p:cSld>
+  <p:clrMapOvr>
+    <a:masterClrMapping/>
+  </p:clrMapOvr>
+</p:sld>
+</file>
+
 <file path=ppt/slides/slide9.xml><?xml version="1.0" encoding="utf-8"?>
 <p:sld xmlns:a="http://schemas.openxmlformats.org/drawingml/2006/main" xmlns:r="http://schemas.openxmlformats.org/officeDocument/2006/relationships" xmlns:p="http://schemas.openxmlformats.org/presentationml/2006/main">
   <p:cSld>
@@ -7047,7 +6245,7 @@
           <p:cNvPr id="2" name="Title 1">
             <a:extLst>
               <a:ext uri="{FF2B5EF4-FFF2-40B4-BE49-F238E27FC236}">
-                <a16:creationId xmlns:a16="http://schemas.microsoft.com/office/drawing/2014/main" id="{CAD71E5D-24B2-D484-1F4C-C24568987B27}"/>
+                <a16:creationId xmlns:a16="http://schemas.microsoft.com/office/drawing/2014/main" id="{410F0BC3-FBF9-0ED6-4331-7C6357A426DA}"/>
               </a:ext>
             </a:extLst>
           </p:cNvPr>
@@ -7082,7 +6280,7 @@
           <p:cNvPr id="3" name="Content Placeholder 2">
             <a:extLst>
               <a:ext uri="{FF2B5EF4-FFF2-40B4-BE49-F238E27FC236}">
-                <a16:creationId xmlns:a16="http://schemas.microsoft.com/office/drawing/2014/main" id="{EA2AD066-2EB7-9824-A075-2BBE6F2848E0}"/>
+                <a16:creationId xmlns:a16="http://schemas.microsoft.com/office/drawing/2014/main" id="{DDB78082-A5B6-33E2-4A75-20885CA6316B}"/>
               </a:ext>
             </a:extLst>
           </p:cNvPr>
@@ -7093,9 +6291,16 @@
             <p:ph idx="1"/>
           </p:nvPr>
         </p:nvSpPr>
-        <p:spPr/>
-        <p:txBody>
-          <a:bodyPr/>
+        <p:spPr>
+          <a:xfrm>
+            <a:off x="838200" y="1825624"/>
+            <a:ext cx="10515600" cy="4811149"/>
+          </a:xfrm>
+        </p:spPr>
+        <p:txBody>
+          <a:bodyPr>
+            <a:normAutofit lnSpcReduction="10000"/>
+          </a:bodyPr>
           <a:lstStyle/>
           <a:p>
             <a:pPr>
@@ -7112,7 +6317,102 @@
               </a:rPr>
               <a:t>Comparison with Target cont..</a:t>
             </a:r>
-            <a:endParaRPr lang="en-US" dirty="0"/>
+          </a:p>
+          <a:p>
+            <a:pPr marL="457200" lvl="1" indent="0">
+              <a:buNone/>
+            </a:pPr>
+            <a:r>
+              <a:rPr lang="en-US" dirty="0">
+                <a:solidFill>
+                  <a:srgbClr val="273239"/>
+                </a:solidFill>
+                <a:latin typeface="Nunito" pitchFamily="2" charset="0"/>
+              </a:rPr>
+              <a:t>now let’s calculate new mid 1 and new mid 2.</a:t>
+            </a:r>
+          </a:p>
+          <a:p>
+            <a:pPr algn="l" fontAlgn="base">
+              <a:buFont typeface="Arial" panose="020B0604020202020204" pitchFamily="34" charset="0"/>
+              <a:buChar char="•"/>
+            </a:pPr>
+            <a:r>
+              <a:rPr lang="en-US" sz="2400" b="0" i="0" dirty="0">
+                <a:solidFill>
+                  <a:srgbClr val="273239"/>
+                </a:solidFill>
+                <a:effectLst/>
+                <a:latin typeface="Nunito" pitchFamily="2" charset="0"/>
+              </a:rPr>
+              <a:t>mid1 = left + (right – left) / 3 </a:t>
+            </a:r>
+            <a:r>
+              <a:rPr lang="en-US" sz="2400" b="0" i="0" dirty="0">
+                <a:solidFill>
+                  <a:srgbClr val="273239"/>
+                </a:solidFill>
+                <a:effectLst/>
+                <a:latin typeface="Nunito" pitchFamily="2" charset="0"/>
+                <a:sym typeface="Wingdings" panose="05000000000000000000" pitchFamily="2" charset="2"/>
+              </a:rPr>
+              <a:t>3+(6-3)/3=4</a:t>
+            </a:r>
+            <a:endParaRPr lang="en-US" sz="2400" b="0" i="0" dirty="0">
+              <a:solidFill>
+                <a:srgbClr val="273239"/>
+              </a:solidFill>
+              <a:effectLst/>
+              <a:latin typeface="Nunito" pitchFamily="2" charset="0"/>
+            </a:endParaRPr>
+          </a:p>
+          <a:p>
+            <a:pPr algn="l" fontAlgn="base">
+              <a:buFont typeface="Arial" panose="020B0604020202020204" pitchFamily="34" charset="0"/>
+              <a:buChar char="•"/>
+            </a:pPr>
+            <a:r>
+              <a:rPr lang="en-US" sz="2400" b="0" i="0" dirty="0">
+                <a:solidFill>
+                  <a:srgbClr val="273239"/>
+                </a:solidFill>
+                <a:effectLst/>
+                <a:latin typeface="Nunito" pitchFamily="2" charset="0"/>
+              </a:rPr>
+              <a:t>mid2 = right – (right – left) / 3  </a:t>
+            </a:r>
+            <a:r>
+              <a:rPr lang="en-US" sz="2400" b="0" i="0" dirty="0">
+                <a:solidFill>
+                  <a:srgbClr val="273239"/>
+                </a:solidFill>
+                <a:effectLst/>
+                <a:latin typeface="Nunito" pitchFamily="2" charset="0"/>
+                <a:sym typeface="Wingdings" panose="05000000000000000000" pitchFamily="2" charset="2"/>
+              </a:rPr>
+              <a:t></a:t>
+            </a:r>
+            <a:r>
+              <a:rPr lang="en-US" sz="2400" dirty="0">
+                <a:solidFill>
+                  <a:srgbClr val="273239"/>
+                </a:solidFill>
+                <a:latin typeface="Nunito" pitchFamily="2" charset="0"/>
+                <a:sym typeface="Wingdings" panose="05000000000000000000" pitchFamily="2" charset="2"/>
+              </a:rPr>
+              <a:t>6</a:t>
+            </a:r>
+            <a:r>
+              <a:rPr lang="en-US" sz="2400" b="0" i="0" dirty="0">
+                <a:solidFill>
+                  <a:srgbClr val="273239"/>
+                </a:solidFill>
+                <a:effectLst/>
+                <a:latin typeface="Nunito" pitchFamily="2" charset="0"/>
+                <a:sym typeface="Wingdings" panose="05000000000000000000" pitchFamily="2" charset="2"/>
+              </a:rPr>
+              <a:t>-(6-3)/3=5</a:t>
+            </a:r>
           </a:p>
           <a:p>
             <a:r>
@@ -7148,58 +6448,638 @@
             <a:pPr lvl="1"/>
             <a:r>
               <a:rPr lang="en-US" dirty="0"/>
-              <a:t>array[m1] = array[3] = 4</a:t>
+              <a:t>array[m1] = array[4] = 5</a:t>
             </a:r>
           </a:p>
           <a:p>
             <a:pPr lvl="1"/>
             <a:r>
               <a:rPr lang="en-US" dirty="0"/>
-              <a:t>array[m2] = array[6] = 7</a:t>
-            </a:r>
-            <a:endParaRPr lang="en-IN" dirty="0"/>
-          </a:p>
-          <a:p>
-            <a:r>
-              <a:rPr lang="en-IN" dirty="0"/>
-              <a:t>Since 6 is greater than 4 but less than 7 </a:t>
-            </a:r>
-            <a:r>
-              <a:rPr lang="en-US" dirty="0"/>
-              <a:t>we search in the second segment:</a:t>
-            </a:r>
-          </a:p>
-          <a:p>
-            <a:r>
-              <a:rPr lang="en-IN" dirty="0"/>
-              <a:t> New Range: l = 3, r = 6</a:t>
-            </a:r>
-          </a:p>
-          <a:p>
-            <a:pPr marL="0" indent="0">
-              <a:buNone/>
+              <a:t>array[m2] = array[5] = 6</a:t>
+            </a:r>
+          </a:p>
+          <a:p>
+            <a:pPr algn="l" fontAlgn="base">
+              <a:buFont typeface="Arial" panose="020B0604020202020204" pitchFamily="34" charset="0"/>
+              <a:buChar char="•"/>
             </a:pPr>
-            <a:r>
-              <a:rPr lang="en-IN" dirty="0"/>
-              <a:t>	new left pointing value:-3</a:t>
-            </a:r>
-          </a:p>
-          <a:p>
-            <a:pPr marL="0" indent="0">
+            <a:endParaRPr lang="en-US" sz="2400" b="0" i="0" dirty="0">
+              <a:solidFill>
+                <a:srgbClr val="273239"/>
+              </a:solidFill>
+              <a:effectLst/>
+              <a:latin typeface="Nunito" pitchFamily="2" charset="0"/>
+              <a:sym typeface="Wingdings" panose="05000000000000000000" pitchFamily="2" charset="2"/>
+            </a:endParaRPr>
+          </a:p>
+          <a:p>
+            <a:pPr marL="0" indent="0" algn="l" fontAlgn="base">
               <a:buNone/>
             </a:pPr>
-            <a:r>
-              <a:rPr lang="en-IN" dirty="0"/>
-              <a:t>	new right pointing value:-6</a:t>
-            </a:r>
-            <a:endParaRPr lang="en-US" dirty="0"/>
-          </a:p>
-        </p:txBody>
-      </p:sp>
+            <a:endParaRPr lang="en-US" sz="2400" b="0" i="0" dirty="0">
+              <a:solidFill>
+                <a:srgbClr val="273239"/>
+              </a:solidFill>
+              <a:effectLst/>
+              <a:latin typeface="Nunito" pitchFamily="2" charset="0"/>
+              <a:sym typeface="Wingdings" panose="05000000000000000000" pitchFamily="2" charset="2"/>
+            </a:endParaRPr>
+          </a:p>
+          <a:p>
+            <a:pPr marL="0" indent="0" algn="l" fontAlgn="base">
+              <a:buNone/>
+            </a:pPr>
+            <a:r>
+              <a:rPr lang="en-US" sz="2400" dirty="0">
+                <a:solidFill>
+                  <a:srgbClr val="273239"/>
+                </a:solidFill>
+                <a:latin typeface="Nunito" pitchFamily="2" charset="0"/>
+              </a:rPr>
+              <a:t> </a:t>
+            </a:r>
+            <a:endParaRPr lang="en-US" sz="2400" b="0" i="0" dirty="0">
+              <a:solidFill>
+                <a:srgbClr val="273239"/>
+              </a:solidFill>
+              <a:effectLst/>
+              <a:latin typeface="Nunito" pitchFamily="2" charset="0"/>
+            </a:endParaRPr>
+          </a:p>
+          <a:p>
+            <a:pPr marL="457200" lvl="1" indent="0">
+              <a:buNone/>
+            </a:pPr>
+            <a:r>
+              <a:rPr lang="en-US" dirty="0">
+                <a:solidFill>
+                  <a:srgbClr val="273239"/>
+                </a:solidFill>
+                <a:latin typeface="Nunito" pitchFamily="2" charset="0"/>
+              </a:rPr>
+              <a:t>                                                 </a:t>
+            </a:r>
+          </a:p>
+          <a:p>
+            <a:pPr marL="457200" lvl="1" indent="0">
+              <a:buNone/>
+            </a:pPr>
+            <a:r>
+              <a:rPr lang="en-US" dirty="0">
+                <a:solidFill>
+                  <a:srgbClr val="273239"/>
+                </a:solidFill>
+                <a:latin typeface="Nunito" pitchFamily="2" charset="0"/>
+              </a:rPr>
+              <a:t>                                                                           m1     m2</a:t>
+            </a:r>
+          </a:p>
+        </p:txBody>
+      </p:sp>
+      <p:graphicFrame>
+        <p:nvGraphicFramePr>
+          <p:cNvPr id="6" name="Table 5">
+            <a:extLst>
+              <a:ext uri="{FF2B5EF4-FFF2-40B4-BE49-F238E27FC236}">
+                <a16:creationId xmlns:a16="http://schemas.microsoft.com/office/drawing/2014/main" id="{5275DB24-96C0-5EE5-14EB-EEB4275F7D6B}"/>
+              </a:ext>
+            </a:extLst>
+          </p:cNvPr>
+          <p:cNvGraphicFramePr>
+            <a:graphicFrameLocks noGrp="1"/>
+          </p:cNvGraphicFramePr>
+          <p:nvPr>
+            <p:extLst>
+              <p:ext uri="{D42A27DB-BD31-4B8C-83A1-F6EECF244321}">
+                <p14:modId xmlns:p14="http://schemas.microsoft.com/office/powerpoint/2010/main" val="16400840"/>
+              </p:ext>
+            </p:extLst>
+          </p:nvPr>
+        </p:nvGraphicFramePr>
+        <p:xfrm>
+          <a:off x="1638710" y="5245558"/>
+          <a:ext cx="8128000" cy="365760"/>
+        </p:xfrm>
+        <a:graphic>
+          <a:graphicData uri="http://schemas.openxmlformats.org/drawingml/2006/table">
+            <a:tbl>
+              <a:tblPr firstRow="1" bandRow="1">
+                <a:tableStyleId>{2D5ABB26-0587-4C30-8999-92F81FD0307C}</a:tableStyleId>
+              </a:tblPr>
+              <a:tblGrid>
+                <a:gridCol w="812800">
+                  <a:extLst>
+                    <a:ext uri="{9D8B030D-6E8A-4147-A177-3AD203B41FA5}">
+                      <a16:colId xmlns:a16="http://schemas.microsoft.com/office/drawing/2014/main" val="2458723199"/>
+                    </a:ext>
+                  </a:extLst>
+                </a:gridCol>
+                <a:gridCol w="812800">
+                  <a:extLst>
+                    <a:ext uri="{9D8B030D-6E8A-4147-A177-3AD203B41FA5}">
+                      <a16:colId xmlns:a16="http://schemas.microsoft.com/office/drawing/2014/main" val="1404449613"/>
+                    </a:ext>
+                  </a:extLst>
+                </a:gridCol>
+                <a:gridCol w="812800">
+                  <a:extLst>
+                    <a:ext uri="{9D8B030D-6E8A-4147-A177-3AD203B41FA5}">
+                      <a16:colId xmlns:a16="http://schemas.microsoft.com/office/drawing/2014/main" val="3171780100"/>
+                    </a:ext>
+                  </a:extLst>
+                </a:gridCol>
+                <a:gridCol w="812800">
+                  <a:extLst>
+                    <a:ext uri="{9D8B030D-6E8A-4147-A177-3AD203B41FA5}">
+                      <a16:colId xmlns:a16="http://schemas.microsoft.com/office/drawing/2014/main" val="270768732"/>
+                    </a:ext>
+                  </a:extLst>
+                </a:gridCol>
+                <a:gridCol w="812800">
+                  <a:extLst>
+                    <a:ext uri="{9D8B030D-6E8A-4147-A177-3AD203B41FA5}">
+                      <a16:colId xmlns:a16="http://schemas.microsoft.com/office/drawing/2014/main" val="256482197"/>
+                    </a:ext>
+                  </a:extLst>
+                </a:gridCol>
+                <a:gridCol w="812800">
+                  <a:extLst>
+                    <a:ext uri="{9D8B030D-6E8A-4147-A177-3AD203B41FA5}">
+                      <a16:colId xmlns:a16="http://schemas.microsoft.com/office/drawing/2014/main" val="2865505667"/>
+                    </a:ext>
+                  </a:extLst>
+                </a:gridCol>
+                <a:gridCol w="812800">
+                  <a:extLst>
+                    <a:ext uri="{9D8B030D-6E8A-4147-A177-3AD203B41FA5}">
+                      <a16:colId xmlns:a16="http://schemas.microsoft.com/office/drawing/2014/main" val="1265900960"/>
+                    </a:ext>
+                  </a:extLst>
+                </a:gridCol>
+                <a:gridCol w="812800">
+                  <a:extLst>
+                    <a:ext uri="{9D8B030D-6E8A-4147-A177-3AD203B41FA5}">
+                      <a16:colId xmlns:a16="http://schemas.microsoft.com/office/drawing/2014/main" val="1995897917"/>
+                    </a:ext>
+                  </a:extLst>
+                </a:gridCol>
+                <a:gridCol w="812800">
+                  <a:extLst>
+                    <a:ext uri="{9D8B030D-6E8A-4147-A177-3AD203B41FA5}">
+                      <a16:colId xmlns:a16="http://schemas.microsoft.com/office/drawing/2014/main" val="468768207"/>
+                    </a:ext>
+                  </a:extLst>
+                </a:gridCol>
+                <a:gridCol w="812800">
+                  <a:extLst>
+                    <a:ext uri="{9D8B030D-6E8A-4147-A177-3AD203B41FA5}">
+                      <a16:colId xmlns:a16="http://schemas.microsoft.com/office/drawing/2014/main" val="2056267199"/>
+                    </a:ext>
+                  </a:extLst>
+                </a:gridCol>
+              </a:tblGrid>
+              <a:tr h="358183">
+                <a:tc>
+                  <a:txBody>
+                    <a:bodyPr/>
+                    <a:lstStyle/>
+                    <a:p>
+                      <a:pPr algn="ctr"/>
+                      <a:r>
+                        <a:rPr lang="en-US" dirty="0"/>
+                        <a:t>0</a:t>
+                      </a:r>
+                      <a:endParaRPr lang="en-IN" dirty="0"/>
+                    </a:p>
+                  </a:txBody>
+                  <a:tcPr/>
+                </a:tc>
+                <a:tc>
+                  <a:txBody>
+                    <a:bodyPr/>
+                    <a:lstStyle/>
+                    <a:p>
+                      <a:pPr algn="ctr"/>
+                      <a:r>
+                        <a:rPr lang="en-US" dirty="0"/>
+                        <a:t>1</a:t>
+                      </a:r>
+                      <a:endParaRPr lang="en-IN" dirty="0"/>
+                    </a:p>
+                  </a:txBody>
+                  <a:tcPr/>
+                </a:tc>
+                <a:tc>
+                  <a:txBody>
+                    <a:bodyPr/>
+                    <a:lstStyle/>
+                    <a:p>
+                      <a:pPr algn="ctr"/>
+                      <a:r>
+                        <a:rPr lang="en-US" dirty="0"/>
+                        <a:t>2</a:t>
+                      </a:r>
+                      <a:endParaRPr lang="en-IN" dirty="0"/>
+                    </a:p>
+                  </a:txBody>
+                  <a:tcPr/>
+                </a:tc>
+                <a:tc>
+                  <a:txBody>
+                    <a:bodyPr/>
+                    <a:lstStyle/>
+                    <a:p>
+                      <a:pPr algn="ctr"/>
+                      <a:r>
+                        <a:rPr lang="en-US" dirty="0"/>
+                        <a:t>3</a:t>
+                      </a:r>
+                      <a:endParaRPr lang="en-IN" dirty="0"/>
+                    </a:p>
+                  </a:txBody>
+                  <a:tcPr/>
+                </a:tc>
+                <a:tc>
+                  <a:txBody>
+                    <a:bodyPr/>
+                    <a:lstStyle/>
+                    <a:p>
+                      <a:pPr algn="ctr"/>
+                      <a:r>
+                        <a:rPr lang="en-US" dirty="0"/>
+                        <a:t>4</a:t>
+                      </a:r>
+                      <a:endParaRPr lang="en-IN" dirty="0"/>
+                    </a:p>
+                  </a:txBody>
+                  <a:tcPr/>
+                </a:tc>
+                <a:tc>
+                  <a:txBody>
+                    <a:bodyPr/>
+                    <a:lstStyle/>
+                    <a:p>
+                      <a:pPr algn="ctr"/>
+                      <a:r>
+                        <a:rPr lang="en-US" dirty="0"/>
+                        <a:t>5</a:t>
+                      </a:r>
+                      <a:endParaRPr lang="en-IN" dirty="0"/>
+                    </a:p>
+                  </a:txBody>
+                  <a:tcPr/>
+                </a:tc>
+                <a:tc>
+                  <a:txBody>
+                    <a:bodyPr/>
+                    <a:lstStyle/>
+                    <a:p>
+                      <a:pPr algn="ctr"/>
+                      <a:r>
+                        <a:rPr lang="en-US" dirty="0"/>
+                        <a:t>6</a:t>
+                      </a:r>
+                      <a:endParaRPr lang="en-IN" dirty="0"/>
+                    </a:p>
+                  </a:txBody>
+                  <a:tcPr/>
+                </a:tc>
+                <a:tc>
+                  <a:txBody>
+                    <a:bodyPr/>
+                    <a:lstStyle/>
+                    <a:p>
+                      <a:pPr algn="ctr"/>
+                      <a:r>
+                        <a:rPr lang="en-US" dirty="0"/>
+                        <a:t>7</a:t>
+                      </a:r>
+                      <a:endParaRPr lang="en-IN" dirty="0"/>
+                    </a:p>
+                  </a:txBody>
+                  <a:tcPr/>
+                </a:tc>
+                <a:tc>
+                  <a:txBody>
+                    <a:bodyPr/>
+                    <a:lstStyle/>
+                    <a:p>
+                      <a:pPr algn="ctr"/>
+                      <a:r>
+                        <a:rPr lang="en-US" dirty="0"/>
+                        <a:t>8</a:t>
+                      </a:r>
+                      <a:endParaRPr lang="en-IN" dirty="0"/>
+                    </a:p>
+                  </a:txBody>
+                  <a:tcPr/>
+                </a:tc>
+                <a:tc>
+                  <a:txBody>
+                    <a:bodyPr/>
+                    <a:lstStyle/>
+                    <a:p>
+                      <a:pPr algn="ctr"/>
+                      <a:r>
+                        <a:rPr lang="en-US" dirty="0"/>
+                        <a:t>9</a:t>
+                      </a:r>
+                      <a:endParaRPr lang="en-IN" dirty="0"/>
+                    </a:p>
+                  </a:txBody>
+                  <a:tcPr/>
+                </a:tc>
+                <a:extLst>
+                  <a:ext uri="{0D108BD9-81ED-4DB2-BD59-A6C34878D82A}">
+                    <a16:rowId xmlns:a16="http://schemas.microsoft.com/office/drawing/2014/main" val="537897383"/>
+                  </a:ext>
+                </a:extLst>
+              </a:tr>
+            </a:tbl>
+          </a:graphicData>
+        </a:graphic>
+      </p:graphicFrame>
+      <p:graphicFrame>
+        <p:nvGraphicFramePr>
+          <p:cNvPr id="7" name="Table 6">
+            <a:extLst>
+              <a:ext uri="{FF2B5EF4-FFF2-40B4-BE49-F238E27FC236}">
+                <a16:creationId xmlns:a16="http://schemas.microsoft.com/office/drawing/2014/main" id="{A78B3179-63AA-AF78-BBD4-912CFAA55368}"/>
+              </a:ext>
+            </a:extLst>
+          </p:cNvPr>
+          <p:cNvGraphicFramePr>
+            <a:graphicFrameLocks noGrp="1"/>
+          </p:cNvGraphicFramePr>
+          <p:nvPr>
+            <p:extLst>
+              <p:ext uri="{D42A27DB-BD31-4B8C-83A1-F6EECF244321}">
+                <p14:modId xmlns:p14="http://schemas.microsoft.com/office/powerpoint/2010/main" val="2500323899"/>
+              </p:ext>
+            </p:extLst>
+          </p:nvPr>
+        </p:nvGraphicFramePr>
+        <p:xfrm>
+          <a:off x="1638710" y="5746255"/>
+          <a:ext cx="8128000" cy="430708"/>
+        </p:xfrm>
+        <a:graphic>
+          <a:graphicData uri="http://schemas.openxmlformats.org/drawingml/2006/table">
+            <a:tbl>
+              <a:tblPr firstRow="1" bandRow="1">
+                <a:tableStyleId>{8799B23B-EC83-4686-B30A-512413B5E67A}</a:tableStyleId>
+              </a:tblPr>
+              <a:tblGrid>
+                <a:gridCol w="812800">
+                  <a:extLst>
+                    <a:ext uri="{9D8B030D-6E8A-4147-A177-3AD203B41FA5}">
+                      <a16:colId xmlns:a16="http://schemas.microsoft.com/office/drawing/2014/main" val="313371908"/>
+                    </a:ext>
+                  </a:extLst>
+                </a:gridCol>
+                <a:gridCol w="812800">
+                  <a:extLst>
+                    <a:ext uri="{9D8B030D-6E8A-4147-A177-3AD203B41FA5}">
+                      <a16:colId xmlns:a16="http://schemas.microsoft.com/office/drawing/2014/main" val="2349975014"/>
+                    </a:ext>
+                  </a:extLst>
+                </a:gridCol>
+                <a:gridCol w="812800">
+                  <a:extLst>
+                    <a:ext uri="{9D8B030D-6E8A-4147-A177-3AD203B41FA5}">
+                      <a16:colId xmlns:a16="http://schemas.microsoft.com/office/drawing/2014/main" val="1005170596"/>
+                    </a:ext>
+                  </a:extLst>
+                </a:gridCol>
+                <a:gridCol w="812800">
+                  <a:extLst>
+                    <a:ext uri="{9D8B030D-6E8A-4147-A177-3AD203B41FA5}">
+                      <a16:colId xmlns:a16="http://schemas.microsoft.com/office/drawing/2014/main" val="2569176356"/>
+                    </a:ext>
+                  </a:extLst>
+                </a:gridCol>
+                <a:gridCol w="812800">
+                  <a:extLst>
+                    <a:ext uri="{9D8B030D-6E8A-4147-A177-3AD203B41FA5}">
+                      <a16:colId xmlns:a16="http://schemas.microsoft.com/office/drawing/2014/main" val="942456242"/>
+                    </a:ext>
+                  </a:extLst>
+                </a:gridCol>
+                <a:gridCol w="812800">
+                  <a:extLst>
+                    <a:ext uri="{9D8B030D-6E8A-4147-A177-3AD203B41FA5}">
+                      <a16:colId xmlns:a16="http://schemas.microsoft.com/office/drawing/2014/main" val="2684681096"/>
+                    </a:ext>
+                  </a:extLst>
+                </a:gridCol>
+                <a:gridCol w="812800">
+                  <a:extLst>
+                    <a:ext uri="{9D8B030D-6E8A-4147-A177-3AD203B41FA5}">
+                      <a16:colId xmlns:a16="http://schemas.microsoft.com/office/drawing/2014/main" val="3667495214"/>
+                    </a:ext>
+                  </a:extLst>
+                </a:gridCol>
+                <a:gridCol w="812800">
+                  <a:extLst>
+                    <a:ext uri="{9D8B030D-6E8A-4147-A177-3AD203B41FA5}">
+                      <a16:colId xmlns:a16="http://schemas.microsoft.com/office/drawing/2014/main" val="3193465481"/>
+                    </a:ext>
+                  </a:extLst>
+                </a:gridCol>
+                <a:gridCol w="812800">
+                  <a:extLst>
+                    <a:ext uri="{9D8B030D-6E8A-4147-A177-3AD203B41FA5}">
+                      <a16:colId xmlns:a16="http://schemas.microsoft.com/office/drawing/2014/main" val="3347010915"/>
+                    </a:ext>
+                  </a:extLst>
+                </a:gridCol>
+                <a:gridCol w="812800">
+                  <a:extLst>
+                    <a:ext uri="{9D8B030D-6E8A-4147-A177-3AD203B41FA5}">
+                      <a16:colId xmlns:a16="http://schemas.microsoft.com/office/drawing/2014/main" val="118608522"/>
+                    </a:ext>
+                  </a:extLst>
+                </a:gridCol>
+              </a:tblGrid>
+              <a:tr h="430708">
+                <a:tc>
+                  <a:txBody>
+                    <a:bodyPr/>
+                    <a:lstStyle/>
+                    <a:p>
+                      <a:pPr algn="ctr"/>
+                      <a:r>
+                        <a:rPr lang="en-US" dirty="0"/>
+                        <a:t>1</a:t>
+                      </a:r>
+                      <a:endParaRPr lang="en-IN" dirty="0"/>
+                    </a:p>
+                  </a:txBody>
+                  <a:tcPr/>
+                </a:tc>
+                <a:tc>
+                  <a:txBody>
+                    <a:bodyPr/>
+                    <a:lstStyle/>
+                    <a:p>
+                      <a:pPr algn="ctr"/>
+                      <a:r>
+                        <a:rPr lang="en-US" dirty="0"/>
+                        <a:t>2</a:t>
+                      </a:r>
+                      <a:endParaRPr lang="en-IN" dirty="0"/>
+                    </a:p>
+                  </a:txBody>
+                  <a:tcPr/>
+                </a:tc>
+                <a:tc>
+                  <a:txBody>
+                    <a:bodyPr/>
+                    <a:lstStyle/>
+                    <a:p>
+                      <a:pPr algn="ctr"/>
+                      <a:r>
+                        <a:rPr lang="en-US" dirty="0"/>
+                        <a:t>3</a:t>
+                      </a:r>
+                      <a:endParaRPr lang="en-IN" dirty="0"/>
+                    </a:p>
+                  </a:txBody>
+                  <a:tcPr/>
+                </a:tc>
+                <a:tc>
+                  <a:txBody>
+                    <a:bodyPr/>
+                    <a:lstStyle/>
+                    <a:p>
+                      <a:pPr algn="ctr"/>
+                      <a:r>
+                        <a:rPr lang="en-US" dirty="0"/>
+                        <a:t>4</a:t>
+                      </a:r>
+                      <a:endParaRPr lang="en-IN" dirty="0"/>
+                    </a:p>
+                  </a:txBody>
+                  <a:tcPr/>
+                </a:tc>
+                <a:tc>
+                  <a:txBody>
+                    <a:bodyPr/>
+                    <a:lstStyle/>
+                    <a:p>
+                      <a:pPr algn="ctr"/>
+                      <a:r>
+                        <a:rPr lang="en-US" dirty="0"/>
+                        <a:t>5</a:t>
+                      </a:r>
+                      <a:endParaRPr lang="en-IN" dirty="0"/>
+                    </a:p>
+                  </a:txBody>
+                  <a:tcPr>
+                    <a:solidFill>
+                      <a:schemeClr val="accent1">
+                        <a:lumMod val="40000"/>
+                        <a:lumOff val="60000"/>
+                      </a:schemeClr>
+                    </a:solidFill>
+                  </a:tcPr>
+                </a:tc>
+                <a:tc>
+                  <a:txBody>
+                    <a:bodyPr/>
+                    <a:lstStyle/>
+                    <a:p>
+                      <a:pPr algn="ctr"/>
+                      <a:r>
+                        <a:rPr lang="en-US" dirty="0"/>
+                        <a:t>6</a:t>
+                      </a:r>
+                      <a:endParaRPr lang="en-IN" dirty="0"/>
+                    </a:p>
+                  </a:txBody>
+                  <a:tcPr>
+                    <a:solidFill>
+                      <a:schemeClr val="accent1">
+                        <a:lumMod val="40000"/>
+                        <a:lumOff val="60000"/>
+                      </a:schemeClr>
+                    </a:solidFill>
+                  </a:tcPr>
+                </a:tc>
+                <a:tc>
+                  <a:txBody>
+                    <a:bodyPr/>
+                    <a:lstStyle/>
+                    <a:p>
+                      <a:pPr algn="ctr"/>
+                      <a:r>
+                        <a:rPr lang="en-US" dirty="0"/>
+                        <a:t>7</a:t>
+                      </a:r>
+                      <a:endParaRPr lang="en-IN" dirty="0"/>
+                    </a:p>
+                  </a:txBody>
+                  <a:tcPr/>
+                </a:tc>
+                <a:tc>
+                  <a:txBody>
+                    <a:bodyPr/>
+                    <a:lstStyle/>
+                    <a:p>
+                      <a:pPr algn="ctr"/>
+                      <a:r>
+                        <a:rPr lang="en-US" dirty="0"/>
+                        <a:t>8</a:t>
+                      </a:r>
+                      <a:endParaRPr lang="en-IN" dirty="0"/>
+                    </a:p>
+                  </a:txBody>
+                  <a:tcPr/>
+                </a:tc>
+                <a:tc>
+                  <a:txBody>
+                    <a:bodyPr/>
+                    <a:lstStyle/>
+                    <a:p>
+                      <a:pPr algn="ctr"/>
+                      <a:r>
+                        <a:rPr lang="en-US" dirty="0"/>
+                        <a:t>9</a:t>
+                      </a:r>
+                      <a:endParaRPr lang="en-IN" dirty="0"/>
+                    </a:p>
+                  </a:txBody>
+                  <a:tcPr/>
+                </a:tc>
+                <a:tc>
+                  <a:txBody>
+                    <a:bodyPr/>
+                    <a:lstStyle/>
+                    <a:p>
+                      <a:pPr algn="ctr"/>
+                      <a:r>
+                        <a:rPr lang="en-US" dirty="0"/>
+                        <a:t>10</a:t>
+                      </a:r>
+                      <a:endParaRPr lang="en-IN" dirty="0"/>
+                    </a:p>
+                  </a:txBody>
+                  <a:tcPr/>
+                </a:tc>
+                <a:extLst>
+                  <a:ext uri="{0D108BD9-81ED-4DB2-BD59-A6C34878D82A}">
+                    <a16:rowId xmlns:a16="http://schemas.microsoft.com/office/drawing/2014/main" val="2367496079"/>
+                  </a:ext>
+                </a:extLst>
+              </a:tr>
+            </a:tbl>
+          </a:graphicData>
+        </a:graphic>
+      </p:graphicFrame>
     </p:spTree>
     <p:extLst>
       <p:ext uri="{BB962C8B-B14F-4D97-AF65-F5344CB8AC3E}">
-        <p14:creationId xmlns:p14="http://schemas.microsoft.com/office/powerpoint/2010/main" val="4127838918"/>
+        <p14:creationId xmlns:p14="http://schemas.microsoft.com/office/powerpoint/2010/main" val="3576653608"/>
       </p:ext>
     </p:extLst>
   </p:cSld>
